--- a/PPT(양식).pptx
+++ b/PPT(양식).pptx
@@ -5,7 +5,7 @@
     <p:sldMasterId id="2147483648" r:id="rId1"/>
   </p:sldMasterIdLst>
   <p:notesMasterIdLst>
-    <p:notesMasterId r:id="rId17"/>
+    <p:notesMasterId r:id="rId18"/>
   </p:notesMasterIdLst>
   <p:sldIdLst>
     <p:sldId id="270" r:id="rId2"/>
@@ -22,7 +22,8 @@
     <p:sldId id="295" r:id="rId13"/>
     <p:sldId id="298" r:id="rId14"/>
     <p:sldId id="280" r:id="rId15"/>
-    <p:sldId id="288" r:id="rId16"/>
+    <p:sldId id="299" r:id="rId16"/>
+    <p:sldId id="288" r:id="rId17"/>
   </p:sldIdLst>
   <p:sldSz cx="12192000" cy="6858000"/>
   <p:notesSz cx="6858000" cy="9144000"/>
@@ -477,6 +478,90 @@
     </a:lvl9pPr>
   </p:notesStyle>
 </p:notesMaster>
+</file>
+
+<file path=ppt/notesSlides/notesSlide1.xml><?xml version="1.0" encoding="utf-8"?>
+<p:notes xmlns:a="http://schemas.openxmlformats.org/drawingml/2006/main" xmlns:r="http://schemas.openxmlformats.org/officeDocument/2006/relationships" xmlns:p="http://schemas.openxmlformats.org/presentationml/2006/main">
+  <p:cSld>
+    <p:spTree>
+      <p:nvGrpSpPr>
+        <p:cNvPr id="1" name=""/>
+        <p:cNvGrpSpPr/>
+        <p:nvPr/>
+      </p:nvGrpSpPr>
+      <p:grpSpPr>
+        <a:xfrm>
+          <a:off x="0" y="0"/>
+          <a:ext cx="0" cy="0"/>
+          <a:chOff x="0" y="0"/>
+          <a:chExt cx="0" cy="0"/>
+        </a:xfrm>
+      </p:grpSpPr>
+      <p:sp>
+        <p:nvSpPr>
+          <p:cNvPr id="2" name="Slide Image Placeholder 1"/>
+          <p:cNvSpPr>
+            <a:spLocks noGrp="1" noRot="1" noChangeAspect="1"/>
+          </p:cNvSpPr>
+          <p:nvPr>
+            <p:ph type="sldImg"/>
+          </p:nvPr>
+        </p:nvSpPr>
+        <p:spPr/>
+      </p:sp>
+      <p:sp>
+        <p:nvSpPr>
+          <p:cNvPr id="3" name="Notes Placeholder 2"/>
+          <p:cNvSpPr>
+            <a:spLocks noGrp="1"/>
+          </p:cNvSpPr>
+          <p:nvPr>
+            <p:ph type="body" idx="1"/>
+          </p:nvPr>
+        </p:nvSpPr>
+        <p:spPr/>
+        <p:txBody>
+          <a:bodyPr/>
+          <a:lstStyle/>
+          <a:p>
+            <a:endParaRPr lang="ko-KR" altLang="en-US" dirty="0"/>
+          </a:p>
+        </p:txBody>
+      </p:sp>
+      <p:sp>
+        <p:nvSpPr>
+          <p:cNvPr id="4" name="Slide Number Placeholder 3"/>
+          <p:cNvSpPr>
+            <a:spLocks noGrp="1"/>
+          </p:cNvSpPr>
+          <p:nvPr>
+            <p:ph type="sldNum" sz="quarter" idx="5"/>
+          </p:nvPr>
+        </p:nvSpPr>
+        <p:spPr/>
+        <p:txBody>
+          <a:bodyPr/>
+          <a:lstStyle/>
+          <a:p>
+            <a:fld id="{7B9D78EB-3088-4208-B003-D88E95F64179}" type="slidenum">
+              <a:rPr lang="ko-KR" altLang="en-US" smtClean="0"/>
+              <a:t>13</a:t>
+            </a:fld>
+            <a:endParaRPr lang="ko-KR" altLang="en-US"/>
+          </a:p>
+        </p:txBody>
+      </p:sp>
+    </p:spTree>
+    <p:extLst>
+      <p:ext uri="{BB962C8B-B14F-4D97-AF65-F5344CB8AC3E}">
+        <p14:creationId xmlns:p14="http://schemas.microsoft.com/office/powerpoint/2010/main" val="3822333753"/>
+      </p:ext>
+    </p:extLst>
+  </p:cSld>
+  <p:clrMapOvr>
+    <a:masterClrMapping/>
+  </p:clrMapOvr>
+</p:notes>
 </file>
 
 <file path=ppt/slideLayouts/slideLayout1.xml><?xml version="1.0" encoding="utf-8"?>
@@ -9085,19 +9170,7 @@
             </a:r>
             <a:r>
               <a:rPr lang="ko-KR" altLang="en-US" dirty="0"/>
-              <a:t>데이터</a:t>
-            </a:r>
-            <a:endParaRPr lang="en-US" altLang="ko-KR" dirty="0"/>
-          </a:p>
-          <a:p>
-            <a:pPr algn="ctr"/>
-            <a:r>
-              <a:rPr lang="en-US" altLang="ko-KR" dirty="0"/>
-              <a:t>            </a:t>
-            </a:r>
-            <a:r>
-              <a:rPr lang="ko-KR" altLang="en-US" dirty="0"/>
-              <a:t>불러오기</a:t>
+              <a:t>데이터 가공</a:t>
             </a:r>
           </a:p>
         </p:txBody>
@@ -9163,19 +9236,7 @@
             </a:r>
             <a:r>
               <a:rPr lang="ko-KR" altLang="en-US" dirty="0"/>
-              <a:t>데이터</a:t>
-            </a:r>
-            <a:endParaRPr lang="en-US" altLang="ko-KR" dirty="0"/>
-          </a:p>
-          <a:p>
-            <a:pPr algn="ctr"/>
-            <a:r>
-              <a:rPr lang="en-US" altLang="ko-KR" dirty="0"/>
-              <a:t>            </a:t>
-            </a:r>
-            <a:r>
-              <a:rPr lang="ko-KR" altLang="en-US" dirty="0"/>
-              <a:t>불러오기</a:t>
+              <a:t>모델 생성</a:t>
             </a:r>
           </a:p>
         </p:txBody>
@@ -9241,19 +9302,7 @@
             </a:r>
             <a:r>
               <a:rPr lang="ko-KR" altLang="en-US" dirty="0"/>
-              <a:t>데이터</a:t>
-            </a:r>
-            <a:endParaRPr lang="en-US" altLang="ko-KR" dirty="0"/>
-          </a:p>
-          <a:p>
-            <a:pPr algn="ctr"/>
-            <a:r>
-              <a:rPr lang="en-US" altLang="ko-KR" dirty="0"/>
-              <a:t>            </a:t>
-            </a:r>
-            <a:r>
-              <a:rPr lang="ko-KR" altLang="en-US" dirty="0"/>
-              <a:t>불러오기</a:t>
+              <a:t>모델 예측</a:t>
             </a:r>
           </a:p>
         </p:txBody>
@@ -9329,6 +9378,42 @@
           </a:p>
         </p:txBody>
       </p:sp>
+      <p:pic>
+        <p:nvPicPr>
+          <p:cNvPr id="3" name="Picture 2" descr="A close up of a map&#10;&#10;Description automatically generated">
+            <a:extLst>
+              <a:ext uri="{FF2B5EF4-FFF2-40B4-BE49-F238E27FC236}">
+                <a16:creationId xmlns:a16="http://schemas.microsoft.com/office/drawing/2014/main" id="{5B9332DA-EC2F-443D-83A4-1E334DEBA003}"/>
+              </a:ext>
+            </a:extLst>
+          </p:cNvPr>
+          <p:cNvPicPr>
+            <a:picLocks noChangeAspect="1"/>
+          </p:cNvPicPr>
+          <p:nvPr/>
+        </p:nvPicPr>
+        <p:blipFill>
+          <a:blip r:embed="rId3">
+            <a:extLst>
+              <a:ext uri="{28A0092B-C50C-407E-A947-70E740481C1C}">
+                <a14:useLocalDpi xmlns:a14="http://schemas.microsoft.com/office/drawing/2010/main" val="0"/>
+              </a:ext>
+            </a:extLst>
+          </a:blip>
+          <a:stretch>
+            <a:fillRect/>
+          </a:stretch>
+        </p:blipFill>
+        <p:spPr>
+          <a:xfrm>
+            <a:off x="877320" y="2858894"/>
+            <a:ext cx="4320000" cy="2265750"/>
+          </a:xfrm>
+          <a:prstGeom prst="rect">
+            <a:avLst/>
+          </a:prstGeom>
+        </p:spPr>
+      </p:pic>
     </p:spTree>
     <p:extLst>
       <p:ext uri="{BB962C8B-B14F-4D97-AF65-F5344CB8AC3E}">
@@ -10168,21 +10253,28 @@
           </a:lstStyle>
           <a:p>
             <a:r>
-              <a:rPr lang="ko-KR" altLang="en-US" dirty="0">
-                <a:ln w="0"/>
-                <a:solidFill>
-                  <a:schemeClr val="tx1"/>
-                </a:solidFill>
-                <a:effectLst>
-                  <a:outerShdw blurRad="38100" dist="19050" dir="2700000" algn="tl" rotWithShape="0">
-                    <a:schemeClr val="dk1">
-                      <a:alpha val="40000"/>
-                    </a:schemeClr>
-                  </a:outerShdw>
-                </a:effectLst>
+              <a:rPr lang="en-US" altLang="ko-KR" dirty="0">
+                <a:solidFill>
+                  <a:schemeClr val="tx2">
+                    <a:lumMod val="75000"/>
+                  </a:schemeClr>
+                </a:solidFill>
               </a:rPr>
-              <a:t>워드 클라우드</a:t>
-            </a:r>
+              <a:t>SVM</a:t>
+            </a:r>
+            <a:endParaRPr lang="ko-KR" altLang="en-US" dirty="0">
+              <a:ln w="0"/>
+              <a:solidFill>
+                <a:schemeClr val="tx1"/>
+              </a:solidFill>
+              <a:effectLst>
+                <a:outerShdw blurRad="38100" dist="19050" dir="2700000" algn="tl" rotWithShape="0">
+                  <a:schemeClr val="dk1">
+                    <a:alpha val="40000"/>
+                  </a:schemeClr>
+                </a:outerShdw>
+              </a:effectLst>
+            </a:endParaRPr>
           </a:p>
         </p:txBody>
       </p:sp>
@@ -10393,7 +10485,7 @@
           </a:lstStyle>
           <a:p>
             <a:r>
-              <a:rPr lang="en-US" altLang="ko-KR"/>
+              <a:rPr lang="en-US" altLang="ko-KR" dirty="0"/>
               <a:t> </a:t>
             </a:r>
             <a:endParaRPr lang="ko-KR" altLang="en-US" dirty="0"/>
@@ -10704,7 +10796,7 @@
         <p:spPr>
           <a:xfrm>
             <a:off x="1926678" y="908848"/>
-            <a:ext cx="4634602" cy="369332"/>
+            <a:ext cx="1146468" cy="369332"/>
           </a:xfrm>
           <a:prstGeom prst="rect">
             <a:avLst/>
@@ -10735,47 +10827,7 @@
                   </a:schemeClr>
                 </a:solidFill>
               </a:rPr>
-              <a:t>&lt; </a:t>
-            </a:r>
-            <a:r>
-              <a:rPr lang="ko-KR" altLang="en-US" dirty="0">
-                <a:solidFill>
-                  <a:schemeClr val="tx2">
-                    <a:lumMod val="75000"/>
-                  </a:schemeClr>
-                </a:solidFill>
-              </a:rPr>
-              <a:t>워드 클라우드</a:t>
-            </a:r>
-            <a:r>
-              <a:rPr lang="en-US" altLang="ko-KR" dirty="0">
-                <a:solidFill>
-                  <a:schemeClr val="tx2">
-                    <a:lumMod val="75000"/>
-                  </a:schemeClr>
-                </a:solidFill>
-              </a:rPr>
-              <a:t>, </a:t>
-            </a:r>
-            <a:r>
-              <a:rPr lang="ko-KR" altLang="en-US" dirty="0">
-                <a:solidFill>
-                  <a:schemeClr val="tx2">
-                    <a:lumMod val="75000"/>
-                  </a:schemeClr>
-                </a:solidFill>
-              </a:rPr>
-              <a:t>연관 분석</a:t>
-            </a:r>
-            <a:r>
-              <a:rPr lang="en-US" altLang="ko-KR" dirty="0">
-                <a:solidFill>
-                  <a:schemeClr val="tx2">
-                    <a:lumMod val="75000"/>
-                  </a:schemeClr>
-                </a:solidFill>
-              </a:rPr>
-              <a:t>, Naive Bayes &gt;</a:t>
+              <a:t>&lt; SVM &gt;</a:t>
             </a:r>
             <a:endParaRPr lang="ko-KR" altLang="en-US" dirty="0">
               <a:solidFill>
@@ -10789,10 +10841,81 @@
       </p:sp>
       <p:sp>
         <p:nvSpPr>
-          <p:cNvPr id="32" name="Oval 31">
-            <a:extLst>
-              <a:ext uri="{FF2B5EF4-FFF2-40B4-BE49-F238E27FC236}">
-                <a16:creationId xmlns:a16="http://schemas.microsoft.com/office/drawing/2014/main" id="{13F7B794-C25D-4269-8948-BA2E1E09F11F}"/>
+          <p:cNvPr id="35" name="Oval 34">
+            <a:extLst>
+              <a:ext uri="{FF2B5EF4-FFF2-40B4-BE49-F238E27FC236}">
+                <a16:creationId xmlns:a16="http://schemas.microsoft.com/office/drawing/2014/main" id="{FE8B3C3A-A2C2-48DE-800C-49AD478C0D1F}"/>
+              </a:ext>
+            </a:extLst>
+          </p:cNvPr>
+          <p:cNvSpPr/>
+          <p:nvPr/>
+        </p:nvSpPr>
+        <p:spPr>
+          <a:xfrm>
+            <a:off x="8380411" y="4513801"/>
+            <a:ext cx="3162301" cy="1362292"/>
+          </a:xfrm>
+          <a:prstGeom prst="ellipse">
+            <a:avLst/>
+          </a:prstGeom>
+          <a:solidFill>
+            <a:srgbClr val="FFFF00"/>
+          </a:solidFill>
+          <a:ln>
+            <a:noFill/>
+          </a:ln>
+          <a:scene3d>
+            <a:camera prst="orthographicFront"/>
+            <a:lightRig rig="threePt" dir="t"/>
+          </a:scene3d>
+          <a:sp3d>
+            <a:bevelT h="38100"/>
+          </a:sp3d>
+        </p:spPr>
+        <p:style>
+          <a:lnRef idx="2">
+            <a:schemeClr val="accent1">
+              <a:shade val="50000"/>
+            </a:schemeClr>
+          </a:lnRef>
+          <a:fillRef idx="1">
+            <a:schemeClr val="accent1"/>
+          </a:fillRef>
+          <a:effectRef idx="0">
+            <a:schemeClr val="accent1"/>
+          </a:effectRef>
+          <a:fontRef idx="minor">
+            <a:schemeClr val="lt1"/>
+          </a:fontRef>
+        </p:style>
+        <p:txBody>
+          <a:bodyPr rtlCol="0" anchor="ctr"/>
+          <a:lstStyle/>
+          <a:p>
+            <a:pPr algn="ctr"/>
+            <a:r>
+              <a:rPr lang="en-US" altLang="ko-KR" sz="2800" dirty="0">
+                <a:solidFill>
+                  <a:schemeClr val="tx1"/>
+                </a:solidFill>
+              </a:rPr>
+              <a:t> Outcome</a:t>
+            </a:r>
+            <a:endParaRPr lang="ko-KR" altLang="en-US" sz="2800" dirty="0">
+              <a:solidFill>
+                <a:schemeClr val="tx1"/>
+              </a:solidFill>
+            </a:endParaRPr>
+          </a:p>
+        </p:txBody>
+      </p:sp>
+      <p:sp>
+        <p:nvSpPr>
+          <p:cNvPr id="16" name="Oval 15">
+            <a:extLst>
+              <a:ext uri="{FF2B5EF4-FFF2-40B4-BE49-F238E27FC236}">
+                <a16:creationId xmlns:a16="http://schemas.microsoft.com/office/drawing/2014/main" id="{57F82F6D-0B37-47A8-8A7C-E6065F2166D6}"/>
               </a:ext>
             </a:extLst>
           </p:cNvPr>
@@ -10848,29 +10971,17 @@
             </a:r>
             <a:r>
               <a:rPr lang="ko-KR" altLang="en-US" dirty="0"/>
-              <a:t>데이터</a:t>
-            </a:r>
-            <a:endParaRPr lang="en-US" altLang="ko-KR" dirty="0"/>
-          </a:p>
-          <a:p>
-            <a:pPr algn="ctr"/>
-            <a:r>
-              <a:rPr lang="en-US" altLang="ko-KR" dirty="0"/>
-              <a:t>            </a:t>
-            </a:r>
-            <a:r>
-              <a:rPr lang="ko-KR" altLang="en-US" dirty="0"/>
-              <a:t>불러오기</a:t>
-            </a:r>
-          </a:p>
-        </p:txBody>
-      </p:sp>
-      <p:sp>
-        <p:nvSpPr>
-          <p:cNvPr id="33" name="Oval 32">
-            <a:extLst>
-              <a:ext uri="{FF2B5EF4-FFF2-40B4-BE49-F238E27FC236}">
-                <a16:creationId xmlns:a16="http://schemas.microsoft.com/office/drawing/2014/main" id="{62A738D2-0922-42AB-8274-FB88CD52FE95}"/>
+              <a:t>데이터 가공</a:t>
+            </a:r>
+          </a:p>
+        </p:txBody>
+      </p:sp>
+      <p:sp>
+        <p:nvSpPr>
+          <p:cNvPr id="17" name="Oval 16">
+            <a:extLst>
+              <a:ext uri="{FF2B5EF4-FFF2-40B4-BE49-F238E27FC236}">
+                <a16:creationId xmlns:a16="http://schemas.microsoft.com/office/drawing/2014/main" id="{F7281699-4495-4B54-BC39-AE190E38B23A}"/>
               </a:ext>
             </a:extLst>
           </p:cNvPr>
@@ -10926,29 +11037,17 @@
             </a:r>
             <a:r>
               <a:rPr lang="ko-KR" altLang="en-US" dirty="0"/>
-              <a:t>데이터</a:t>
-            </a:r>
-            <a:endParaRPr lang="en-US" altLang="ko-KR" dirty="0"/>
-          </a:p>
-          <a:p>
-            <a:pPr algn="ctr"/>
-            <a:r>
-              <a:rPr lang="en-US" altLang="ko-KR" dirty="0"/>
-              <a:t>            </a:t>
-            </a:r>
-            <a:r>
-              <a:rPr lang="ko-KR" altLang="en-US" dirty="0"/>
-              <a:t>불러오기</a:t>
-            </a:r>
-          </a:p>
-        </p:txBody>
-      </p:sp>
-      <p:sp>
-        <p:nvSpPr>
-          <p:cNvPr id="34" name="Oval 33">
-            <a:extLst>
-              <a:ext uri="{FF2B5EF4-FFF2-40B4-BE49-F238E27FC236}">
-                <a16:creationId xmlns:a16="http://schemas.microsoft.com/office/drawing/2014/main" id="{80BFD2FB-7D29-4235-B5A3-52AAE564360E}"/>
+              <a:t>모델 생성</a:t>
+            </a:r>
+          </a:p>
+        </p:txBody>
+      </p:sp>
+      <p:sp>
+        <p:nvSpPr>
+          <p:cNvPr id="19" name="Oval 18">
+            <a:extLst>
+              <a:ext uri="{FF2B5EF4-FFF2-40B4-BE49-F238E27FC236}">
+                <a16:creationId xmlns:a16="http://schemas.microsoft.com/office/drawing/2014/main" id="{A5DD06F0-8CED-4EBE-8307-5A6EEE638587}"/>
               </a:ext>
             </a:extLst>
           </p:cNvPr>
@@ -11004,20 +11103,832 @@
             </a:r>
             <a:r>
               <a:rPr lang="ko-KR" altLang="en-US" dirty="0"/>
-              <a:t>데이터</a:t>
-            </a:r>
-            <a:endParaRPr lang="en-US" altLang="ko-KR" dirty="0"/>
-          </a:p>
+              <a:t>모델 예측</a:t>
+            </a:r>
+          </a:p>
+        </p:txBody>
+      </p:sp>
+      <p:pic>
+        <p:nvPicPr>
+          <p:cNvPr id="9" name="Picture 8" descr="A screenshot of a cell phone&#10;&#10;Description automatically generated">
+            <a:extLst>
+              <a:ext uri="{FF2B5EF4-FFF2-40B4-BE49-F238E27FC236}">
+                <a16:creationId xmlns:a16="http://schemas.microsoft.com/office/drawing/2014/main" id="{1DFAC402-79AF-447D-B269-D8BBE4B42D99}"/>
+              </a:ext>
+            </a:extLst>
+          </p:cNvPr>
+          <p:cNvPicPr>
+            <a:picLocks noChangeAspect="1"/>
+          </p:cNvPicPr>
+          <p:nvPr/>
+        </p:nvPicPr>
+        <p:blipFill>
+          <a:blip r:embed="rId2">
+            <a:extLst>
+              <a:ext uri="{28A0092B-C50C-407E-A947-70E740481C1C}">
+                <a14:useLocalDpi xmlns:a14="http://schemas.microsoft.com/office/drawing/2010/main" val="0"/>
+              </a:ext>
+            </a:extLst>
+          </a:blip>
+          <a:stretch>
+            <a:fillRect/>
+          </a:stretch>
+        </p:blipFill>
+        <p:spPr>
+          <a:xfrm>
+            <a:off x="1079481" y="2191769"/>
+            <a:ext cx="3992218" cy="3600000"/>
+          </a:xfrm>
+          <a:prstGeom prst="rect">
+            <a:avLst/>
+          </a:prstGeom>
+        </p:spPr>
+      </p:pic>
+    </p:spTree>
+    <p:extLst>
+      <p:ext uri="{BB962C8B-B14F-4D97-AF65-F5344CB8AC3E}">
+        <p14:creationId xmlns:p14="http://schemas.microsoft.com/office/powerpoint/2010/main" val="1243874612"/>
+      </p:ext>
+    </p:extLst>
+  </p:cSld>
+  <p:clrMapOvr>
+    <a:masterClrMapping/>
+  </p:clrMapOvr>
+</p:sld>
+</file>
+
+<file path=ppt/slides/slide16.xml><?xml version="1.0" encoding="utf-8"?>
+<p:sld xmlns:a="http://schemas.openxmlformats.org/drawingml/2006/main" xmlns:r="http://schemas.openxmlformats.org/officeDocument/2006/relationships" xmlns:p="http://schemas.openxmlformats.org/presentationml/2006/main">
+  <p:cSld>
+    <p:spTree>
+      <p:nvGrpSpPr>
+        <p:cNvPr id="1" name=""/>
+        <p:cNvGrpSpPr/>
+        <p:nvPr/>
+      </p:nvGrpSpPr>
+      <p:grpSpPr>
+        <a:xfrm>
+          <a:off x="0" y="0"/>
+          <a:ext cx="0" cy="0"/>
+          <a:chOff x="0" y="0"/>
+          <a:chExt cx="0" cy="0"/>
+        </a:xfrm>
+      </p:grpSpPr>
+      <p:sp>
+        <p:nvSpPr>
+          <p:cNvPr id="4" name="Text Placeholder 3">
+            <a:extLst>
+              <a:ext uri="{FF2B5EF4-FFF2-40B4-BE49-F238E27FC236}">
+                <a16:creationId xmlns:a16="http://schemas.microsoft.com/office/drawing/2014/main" id="{8C1F088E-61C2-49CC-B191-1FFB674439CD}"/>
+              </a:ext>
+            </a:extLst>
+          </p:cNvPr>
+          <p:cNvSpPr>
+            <a:spLocks noGrp="1"/>
+          </p:cNvSpPr>
+          <p:nvPr>
+            <p:ph type="body" sz="half" idx="2"/>
+          </p:nvPr>
+        </p:nvSpPr>
+        <p:spPr>
+          <a:xfrm>
+            <a:off x="793389" y="2085975"/>
+            <a:ext cx="4487863" cy="3811588"/>
+          </a:xfrm>
+        </p:spPr>
+        <p:txBody>
+          <a:bodyPr/>
+          <a:lstStyle/>
+          <a:p>
+            <a:endParaRPr lang="ko-KR" altLang="en-US"/>
+          </a:p>
+        </p:txBody>
+      </p:sp>
+      <p:sp>
+        <p:nvSpPr>
+          <p:cNvPr id="5" name="Title 3">
+            <a:extLst>
+              <a:ext uri="{FF2B5EF4-FFF2-40B4-BE49-F238E27FC236}">
+                <a16:creationId xmlns:a16="http://schemas.microsoft.com/office/drawing/2014/main" id="{81B6CAC4-017B-4253-AB25-6664EB006117}"/>
+              </a:ext>
+            </a:extLst>
+          </p:cNvPr>
+          <p:cNvSpPr txBox="1">
+            <a:spLocks/>
+          </p:cNvSpPr>
+          <p:nvPr/>
+        </p:nvSpPr>
+        <p:spPr>
+          <a:xfrm>
+            <a:off x="793389" y="1338428"/>
+            <a:ext cx="4487863" cy="718972"/>
+          </a:xfrm>
+          <a:prstGeom prst="rect">
+            <a:avLst/>
+          </a:prstGeom>
+        </p:spPr>
+        <p:style>
+          <a:lnRef idx="1">
+            <a:schemeClr val="accent4"/>
+          </a:lnRef>
+          <a:fillRef idx="2">
+            <a:schemeClr val="accent4"/>
+          </a:fillRef>
+          <a:effectRef idx="1">
+            <a:schemeClr val="accent4"/>
+          </a:effectRef>
+          <a:fontRef idx="minor">
+            <a:schemeClr val="dk1"/>
+          </a:fontRef>
+        </p:style>
+        <p:txBody>
+          <a:bodyPr vert="horz" lIns="91440" tIns="45720" rIns="91440" bIns="45720" rtlCol="0" anchor="b">
+            <a:normAutofit/>
+          </a:bodyPr>
+          <a:lstStyle>
+            <a:lvl1pPr algn="l" defTabSz="914400" rtl="0" eaLnBrk="1" latinLnBrk="1" hangingPunct="1">
+              <a:lnSpc>
+                <a:spcPct val="90000"/>
+              </a:lnSpc>
+              <a:spcBef>
+                <a:spcPct val="0"/>
+              </a:spcBef>
+              <a:buNone/>
+              <a:defRPr sz="3200" kern="1200">
+                <a:solidFill>
+                  <a:schemeClr val="lt1"/>
+                </a:solidFill>
+                <a:latin typeface="+mn-lt"/>
+                <a:ea typeface="+mn-ea"/>
+                <a:cs typeface="+mn-cs"/>
+              </a:defRPr>
+            </a:lvl1pPr>
+            <a:lvl2pPr>
+              <a:defRPr>
+                <a:solidFill>
+                  <a:schemeClr val="lt1"/>
+                </a:solidFill>
+                <a:latin typeface="+mn-lt"/>
+                <a:ea typeface="+mn-ea"/>
+                <a:cs typeface="+mn-cs"/>
+              </a:defRPr>
+            </a:lvl2pPr>
+            <a:lvl3pPr>
+              <a:defRPr>
+                <a:solidFill>
+                  <a:schemeClr val="lt1"/>
+                </a:solidFill>
+                <a:latin typeface="+mn-lt"/>
+                <a:ea typeface="+mn-ea"/>
+                <a:cs typeface="+mn-cs"/>
+              </a:defRPr>
+            </a:lvl3pPr>
+            <a:lvl4pPr>
+              <a:defRPr>
+                <a:solidFill>
+                  <a:schemeClr val="lt1"/>
+                </a:solidFill>
+                <a:latin typeface="+mn-lt"/>
+                <a:ea typeface="+mn-ea"/>
+                <a:cs typeface="+mn-cs"/>
+              </a:defRPr>
+            </a:lvl4pPr>
+            <a:lvl5pPr>
+              <a:defRPr>
+                <a:solidFill>
+                  <a:schemeClr val="lt1"/>
+                </a:solidFill>
+                <a:latin typeface="+mn-lt"/>
+                <a:ea typeface="+mn-ea"/>
+                <a:cs typeface="+mn-cs"/>
+              </a:defRPr>
+            </a:lvl5pPr>
+            <a:lvl6pPr>
+              <a:defRPr>
+                <a:solidFill>
+                  <a:schemeClr val="lt1"/>
+                </a:solidFill>
+                <a:latin typeface="+mn-lt"/>
+                <a:ea typeface="+mn-ea"/>
+                <a:cs typeface="+mn-cs"/>
+              </a:defRPr>
+            </a:lvl6pPr>
+            <a:lvl7pPr>
+              <a:defRPr>
+                <a:solidFill>
+                  <a:schemeClr val="lt1"/>
+                </a:solidFill>
+                <a:latin typeface="+mn-lt"/>
+                <a:ea typeface="+mn-ea"/>
+                <a:cs typeface="+mn-cs"/>
+              </a:defRPr>
+            </a:lvl7pPr>
+            <a:lvl8pPr>
+              <a:defRPr>
+                <a:solidFill>
+                  <a:schemeClr val="lt1"/>
+                </a:solidFill>
+                <a:latin typeface="+mn-lt"/>
+                <a:ea typeface="+mn-ea"/>
+                <a:cs typeface="+mn-cs"/>
+              </a:defRPr>
+            </a:lvl8pPr>
+            <a:lvl9pPr>
+              <a:defRPr>
+                <a:solidFill>
+                  <a:schemeClr val="lt1"/>
+                </a:solidFill>
+                <a:latin typeface="+mn-lt"/>
+                <a:ea typeface="+mn-ea"/>
+                <a:cs typeface="+mn-cs"/>
+              </a:defRPr>
+            </a:lvl9pPr>
+          </a:lstStyle>
+          <a:p>
+            <a:r>
+              <a:rPr lang="en-US" altLang="ko-KR" dirty="0">
+                <a:solidFill>
+                  <a:schemeClr val="tx2">
+                    <a:lumMod val="75000"/>
+                  </a:schemeClr>
+                </a:solidFill>
+              </a:rPr>
+              <a:t>SVM</a:t>
+            </a:r>
+            <a:endParaRPr lang="ko-KR" altLang="en-US" dirty="0">
+              <a:ln w="0"/>
+              <a:solidFill>
+                <a:schemeClr val="tx1"/>
+              </a:solidFill>
+              <a:effectLst>
+                <a:outerShdw blurRad="38100" dist="19050" dir="2700000" algn="tl" rotWithShape="0">
+                  <a:schemeClr val="dk1">
+                    <a:alpha val="40000"/>
+                  </a:schemeClr>
+                </a:outerShdw>
+              </a:effectLst>
+            </a:endParaRPr>
+          </a:p>
+        </p:txBody>
+      </p:sp>
+      <p:sp>
+        <p:nvSpPr>
+          <p:cNvPr id="6" name="Text Placeholder 5">
+            <a:extLst>
+              <a:ext uri="{FF2B5EF4-FFF2-40B4-BE49-F238E27FC236}">
+                <a16:creationId xmlns:a16="http://schemas.microsoft.com/office/drawing/2014/main" id="{E8B64242-EA18-4F3E-868A-0A1237832451}"/>
+              </a:ext>
+            </a:extLst>
+          </p:cNvPr>
+          <p:cNvSpPr txBox="1">
+            <a:spLocks/>
+          </p:cNvSpPr>
+          <p:nvPr/>
+        </p:nvSpPr>
+        <p:spPr>
+          <a:xfrm>
+            <a:off x="793389" y="2085975"/>
+            <a:ext cx="4487863" cy="3811588"/>
+          </a:xfrm>
+          <a:prstGeom prst="rect">
+            <a:avLst/>
+          </a:prstGeom>
+        </p:spPr>
+        <p:style>
+          <a:lnRef idx="1">
+            <a:schemeClr val="accent1"/>
+          </a:lnRef>
+          <a:fillRef idx="2">
+            <a:schemeClr val="accent1"/>
+          </a:fillRef>
+          <a:effectRef idx="1">
+            <a:schemeClr val="accent1"/>
+          </a:effectRef>
+          <a:fontRef idx="minor">
+            <a:schemeClr val="dk1"/>
+          </a:fontRef>
+        </p:style>
+        <p:txBody>
+          <a:bodyPr vert="horz" lIns="91440" tIns="45720" rIns="91440" bIns="45720" rtlCol="0">
+            <a:normAutofit/>
+          </a:bodyPr>
+          <a:lstStyle>
+            <a:lvl1pPr marL="0" indent="0" algn="l" defTabSz="914400" rtl="0" eaLnBrk="1" latinLnBrk="1" hangingPunct="1">
+              <a:lnSpc>
+                <a:spcPct val="90000"/>
+              </a:lnSpc>
+              <a:spcBef>
+                <a:spcPts val="1000"/>
+              </a:spcBef>
+              <a:buFont typeface="Arial" panose="020B0604020202020204" pitchFamily="34" charset="0"/>
+              <a:buNone/>
+              <a:defRPr sz="1600" kern="1200">
+                <a:solidFill>
+                  <a:schemeClr val="dk1"/>
+                </a:solidFill>
+                <a:latin typeface="+mn-lt"/>
+                <a:ea typeface="+mn-ea"/>
+                <a:cs typeface="+mn-cs"/>
+              </a:defRPr>
+            </a:lvl1pPr>
+            <a:lvl2pPr marL="457200" indent="0" algn="l" defTabSz="914400" rtl="0" eaLnBrk="1" latinLnBrk="1" hangingPunct="1">
+              <a:lnSpc>
+                <a:spcPct val="90000"/>
+              </a:lnSpc>
+              <a:spcBef>
+                <a:spcPts val="500"/>
+              </a:spcBef>
+              <a:buFont typeface="Arial" panose="020B0604020202020204" pitchFamily="34" charset="0"/>
+              <a:buNone/>
+              <a:defRPr sz="1400" kern="1200">
+                <a:solidFill>
+                  <a:schemeClr val="dk1"/>
+                </a:solidFill>
+                <a:latin typeface="+mn-lt"/>
+                <a:ea typeface="+mn-ea"/>
+                <a:cs typeface="+mn-cs"/>
+              </a:defRPr>
+            </a:lvl2pPr>
+            <a:lvl3pPr marL="914400" indent="0" algn="l" defTabSz="914400" rtl="0" eaLnBrk="1" latinLnBrk="1" hangingPunct="1">
+              <a:lnSpc>
+                <a:spcPct val="90000"/>
+              </a:lnSpc>
+              <a:spcBef>
+                <a:spcPts val="500"/>
+              </a:spcBef>
+              <a:buFont typeface="Arial" panose="020B0604020202020204" pitchFamily="34" charset="0"/>
+              <a:buNone/>
+              <a:defRPr sz="1200" kern="1200">
+                <a:solidFill>
+                  <a:schemeClr val="dk1"/>
+                </a:solidFill>
+                <a:latin typeface="+mn-lt"/>
+                <a:ea typeface="+mn-ea"/>
+                <a:cs typeface="+mn-cs"/>
+              </a:defRPr>
+            </a:lvl3pPr>
+            <a:lvl4pPr marL="1371600" indent="0" algn="l" defTabSz="914400" rtl="0" eaLnBrk="1" latinLnBrk="1" hangingPunct="1">
+              <a:lnSpc>
+                <a:spcPct val="90000"/>
+              </a:lnSpc>
+              <a:spcBef>
+                <a:spcPts val="500"/>
+              </a:spcBef>
+              <a:buFont typeface="Arial" panose="020B0604020202020204" pitchFamily="34" charset="0"/>
+              <a:buNone/>
+              <a:defRPr sz="1000" kern="1200">
+                <a:solidFill>
+                  <a:schemeClr val="dk1"/>
+                </a:solidFill>
+                <a:latin typeface="+mn-lt"/>
+                <a:ea typeface="+mn-ea"/>
+                <a:cs typeface="+mn-cs"/>
+              </a:defRPr>
+            </a:lvl4pPr>
+            <a:lvl5pPr marL="1828800" indent="0" algn="l" defTabSz="914400" rtl="0" eaLnBrk="1" latinLnBrk="1" hangingPunct="1">
+              <a:lnSpc>
+                <a:spcPct val="90000"/>
+              </a:lnSpc>
+              <a:spcBef>
+                <a:spcPts val="500"/>
+              </a:spcBef>
+              <a:buFont typeface="Arial" panose="020B0604020202020204" pitchFamily="34" charset="0"/>
+              <a:buNone/>
+              <a:defRPr sz="1000" kern="1200">
+                <a:solidFill>
+                  <a:schemeClr val="dk1"/>
+                </a:solidFill>
+                <a:latin typeface="+mn-lt"/>
+                <a:ea typeface="+mn-ea"/>
+                <a:cs typeface="+mn-cs"/>
+              </a:defRPr>
+            </a:lvl5pPr>
+            <a:lvl6pPr marL="2286000" indent="0" algn="l" defTabSz="914400" rtl="0" eaLnBrk="1" latinLnBrk="1" hangingPunct="1">
+              <a:lnSpc>
+                <a:spcPct val="90000"/>
+              </a:lnSpc>
+              <a:spcBef>
+                <a:spcPts val="500"/>
+              </a:spcBef>
+              <a:buFont typeface="Arial" panose="020B0604020202020204" pitchFamily="34" charset="0"/>
+              <a:buNone/>
+              <a:defRPr sz="1000" kern="1200">
+                <a:solidFill>
+                  <a:schemeClr val="dk1"/>
+                </a:solidFill>
+                <a:latin typeface="+mn-lt"/>
+                <a:ea typeface="+mn-ea"/>
+                <a:cs typeface="+mn-cs"/>
+              </a:defRPr>
+            </a:lvl6pPr>
+            <a:lvl7pPr marL="2743200" indent="0" algn="l" defTabSz="914400" rtl="0" eaLnBrk="1" latinLnBrk="1" hangingPunct="1">
+              <a:lnSpc>
+                <a:spcPct val="90000"/>
+              </a:lnSpc>
+              <a:spcBef>
+                <a:spcPts val="500"/>
+              </a:spcBef>
+              <a:buFont typeface="Arial" panose="020B0604020202020204" pitchFamily="34" charset="0"/>
+              <a:buNone/>
+              <a:defRPr sz="1000" kern="1200">
+                <a:solidFill>
+                  <a:schemeClr val="dk1"/>
+                </a:solidFill>
+                <a:latin typeface="+mn-lt"/>
+                <a:ea typeface="+mn-ea"/>
+                <a:cs typeface="+mn-cs"/>
+              </a:defRPr>
+            </a:lvl7pPr>
+            <a:lvl8pPr marL="3200400" indent="0" algn="l" defTabSz="914400" rtl="0" eaLnBrk="1" latinLnBrk="1" hangingPunct="1">
+              <a:lnSpc>
+                <a:spcPct val="90000"/>
+              </a:lnSpc>
+              <a:spcBef>
+                <a:spcPts val="500"/>
+              </a:spcBef>
+              <a:buFont typeface="Arial" panose="020B0604020202020204" pitchFamily="34" charset="0"/>
+              <a:buNone/>
+              <a:defRPr sz="1000" kern="1200">
+                <a:solidFill>
+                  <a:schemeClr val="dk1"/>
+                </a:solidFill>
+                <a:latin typeface="+mn-lt"/>
+                <a:ea typeface="+mn-ea"/>
+                <a:cs typeface="+mn-cs"/>
+              </a:defRPr>
+            </a:lvl8pPr>
+            <a:lvl9pPr marL="3657600" indent="0" algn="l" defTabSz="914400" rtl="0" eaLnBrk="1" latinLnBrk="1" hangingPunct="1">
+              <a:lnSpc>
+                <a:spcPct val="90000"/>
+              </a:lnSpc>
+              <a:spcBef>
+                <a:spcPts val="500"/>
+              </a:spcBef>
+              <a:buFont typeface="Arial" panose="020B0604020202020204" pitchFamily="34" charset="0"/>
+              <a:buNone/>
+              <a:defRPr sz="1000" kern="1200">
+                <a:solidFill>
+                  <a:schemeClr val="dk1"/>
+                </a:solidFill>
+                <a:latin typeface="+mn-lt"/>
+                <a:ea typeface="+mn-ea"/>
+                <a:cs typeface="+mn-cs"/>
+              </a:defRPr>
+            </a:lvl9pPr>
+          </a:lstStyle>
+          <a:p>
+            <a:r>
+              <a:rPr lang="en-US" altLang="ko-KR"/>
+              <a:t> </a:t>
+            </a:r>
+            <a:endParaRPr lang="ko-KR" altLang="en-US" dirty="0"/>
+          </a:p>
+        </p:txBody>
+      </p:sp>
+      <p:sp>
+        <p:nvSpPr>
+          <p:cNvPr id="7" name="직사각형 28">
+            <a:extLst>
+              <a:ext uri="{FF2B5EF4-FFF2-40B4-BE49-F238E27FC236}">
+                <a16:creationId xmlns:a16="http://schemas.microsoft.com/office/drawing/2014/main" id="{8E921137-BFE7-4A4F-8B55-0F631C346B39}"/>
+              </a:ext>
+            </a:extLst>
+          </p:cNvPr>
+          <p:cNvSpPr/>
+          <p:nvPr/>
+        </p:nvSpPr>
+        <p:spPr>
+          <a:xfrm>
+            <a:off x="0" y="239202"/>
+            <a:ext cx="175491" cy="1099226"/>
+          </a:xfrm>
+          <a:prstGeom prst="rect">
+            <a:avLst/>
+          </a:prstGeom>
+          <a:solidFill>
+            <a:schemeClr val="accent1"/>
+          </a:solidFill>
+          <a:ln>
+            <a:noFill/>
+          </a:ln>
+        </p:spPr>
+        <p:style>
+          <a:lnRef idx="2">
+            <a:schemeClr val="accent1">
+              <a:shade val="50000"/>
+            </a:schemeClr>
+          </a:lnRef>
+          <a:fillRef idx="1">
+            <a:schemeClr val="accent1"/>
+          </a:fillRef>
+          <a:effectRef idx="0">
+            <a:schemeClr val="accent1"/>
+          </a:effectRef>
+          <a:fontRef idx="minor">
+            <a:schemeClr val="lt1"/>
+          </a:fontRef>
+        </p:style>
+        <p:txBody>
+          <a:bodyPr rtlCol="0" anchor="ctr"/>
+          <a:lstStyle/>
           <a:p>
             <a:pPr algn="ctr"/>
-            <a:r>
-              <a:rPr lang="en-US" altLang="ko-KR" dirty="0"/>
-              <a:t>            </a:t>
-            </a:r>
-            <a:r>
-              <a:rPr lang="ko-KR" altLang="en-US" dirty="0"/>
-              <a:t>불러오기</a:t>
-            </a:r>
+            <a:endParaRPr lang="ko-KR" altLang="en-US"/>
+          </a:p>
+        </p:txBody>
+      </p:sp>
+      <p:sp>
+        <p:nvSpPr>
+          <p:cNvPr id="8" name="TextBox 7">
+            <a:extLst>
+              <a:ext uri="{FF2B5EF4-FFF2-40B4-BE49-F238E27FC236}">
+                <a16:creationId xmlns:a16="http://schemas.microsoft.com/office/drawing/2014/main" id="{34250603-45A5-4365-9170-C906D43ECCAF}"/>
+              </a:ext>
+            </a:extLst>
+          </p:cNvPr>
+          <p:cNvSpPr txBox="1"/>
+          <p:nvPr/>
+        </p:nvSpPr>
+        <p:spPr>
+          <a:xfrm>
+            <a:off x="269177" y="239202"/>
+            <a:ext cx="1227900" cy="461665"/>
+          </a:xfrm>
+          <a:prstGeom prst="rect">
+            <a:avLst/>
+          </a:prstGeom>
+          <a:noFill/>
+        </p:spPr>
+        <p:txBody>
+          <a:bodyPr wrap="none" rtlCol="0">
+            <a:spAutoFit/>
+          </a:bodyPr>
+          <a:lstStyle/>
+          <a:p>
+            <a:r>
+              <a:rPr lang="en-US" altLang="ko-KR" sz="2400" dirty="0">
+                <a:solidFill>
+                  <a:schemeClr val="tx2">
+                    <a:lumMod val="75000"/>
+                  </a:schemeClr>
+                </a:solidFill>
+              </a:rPr>
+              <a:t>PART 2</a:t>
+            </a:r>
+            <a:endParaRPr lang="ko-KR" altLang="en-US" sz="2400" dirty="0">
+              <a:solidFill>
+                <a:schemeClr val="tx2">
+                  <a:lumMod val="75000"/>
+                </a:schemeClr>
+              </a:solidFill>
+            </a:endParaRPr>
+          </a:p>
+        </p:txBody>
+      </p:sp>
+      <p:grpSp>
+        <p:nvGrpSpPr>
+          <p:cNvPr id="26" name="Group 25">
+            <a:extLst>
+              <a:ext uri="{FF2B5EF4-FFF2-40B4-BE49-F238E27FC236}">
+                <a16:creationId xmlns:a16="http://schemas.microsoft.com/office/drawing/2014/main" id="{9C0A6AD0-B72B-424A-A1ED-2E09C578EC2B}"/>
+              </a:ext>
+            </a:extLst>
+          </p:cNvPr>
+          <p:cNvGrpSpPr/>
+          <p:nvPr/>
+        </p:nvGrpSpPr>
+        <p:grpSpPr>
+          <a:xfrm>
+            <a:off x="7368852" y="1005053"/>
+            <a:ext cx="2675949" cy="5246522"/>
+            <a:chOff x="4294774" y="1110194"/>
+            <a:chExt cx="951595" cy="951595"/>
+          </a:xfrm>
+        </p:grpSpPr>
+        <p:sp>
+          <p:nvSpPr>
+            <p:cNvPr id="27" name="Arrow: Down 26">
+              <a:extLst>
+                <a:ext uri="{FF2B5EF4-FFF2-40B4-BE49-F238E27FC236}">
+                  <a16:creationId xmlns:a16="http://schemas.microsoft.com/office/drawing/2014/main" id="{5CC07C43-9066-4182-95FB-1941AA09456D}"/>
+                </a:ext>
+              </a:extLst>
+            </p:cNvPr>
+            <p:cNvSpPr/>
+            <p:nvPr/>
+          </p:nvSpPr>
+          <p:spPr>
+            <a:xfrm>
+              <a:off x="4294774" y="1110194"/>
+              <a:ext cx="951595" cy="951595"/>
+            </a:xfrm>
+            <a:prstGeom prst="downArrow">
+              <a:avLst>
+                <a:gd name="adj1" fmla="val 55000"/>
+                <a:gd name="adj2" fmla="val 45000"/>
+              </a:avLst>
+            </a:prstGeom>
+          </p:spPr>
+          <p:style>
+            <a:lnRef idx="2">
+              <a:schemeClr val="accent1">
+                <a:alpha val="90000"/>
+                <a:tint val="40000"/>
+                <a:hueOff val="0"/>
+                <a:satOff val="0"/>
+                <a:lumOff val="0"/>
+                <a:alphaOff val="0"/>
+              </a:schemeClr>
+            </a:lnRef>
+            <a:fillRef idx="1">
+              <a:schemeClr val="accent1">
+                <a:alpha val="90000"/>
+                <a:tint val="40000"/>
+                <a:hueOff val="0"/>
+                <a:satOff val="0"/>
+                <a:lumOff val="0"/>
+                <a:alphaOff val="0"/>
+              </a:schemeClr>
+            </a:fillRef>
+            <a:effectRef idx="0">
+              <a:schemeClr val="accent1">
+                <a:alpha val="90000"/>
+                <a:tint val="40000"/>
+                <a:hueOff val="0"/>
+                <a:satOff val="0"/>
+                <a:lumOff val="0"/>
+                <a:alphaOff val="0"/>
+              </a:schemeClr>
+            </a:effectRef>
+            <a:fontRef idx="minor">
+              <a:schemeClr val="dk1">
+                <a:hueOff val="0"/>
+                <a:satOff val="0"/>
+                <a:lumOff val="0"/>
+                <a:alphaOff val="0"/>
+              </a:schemeClr>
+            </a:fontRef>
+          </p:style>
+        </p:sp>
+        <p:sp>
+          <p:nvSpPr>
+            <p:cNvPr id="28" name="Arrow: Down 4">
+              <a:extLst>
+                <a:ext uri="{FF2B5EF4-FFF2-40B4-BE49-F238E27FC236}">
+                  <a16:creationId xmlns:a16="http://schemas.microsoft.com/office/drawing/2014/main" id="{C4A15F22-D7BF-48AD-91AE-E5C9A645CBC9}"/>
+                </a:ext>
+              </a:extLst>
+            </p:cNvPr>
+            <p:cNvSpPr txBox="1"/>
+            <p:nvPr/>
+          </p:nvSpPr>
+          <p:spPr>
+            <a:xfrm>
+              <a:off x="4508883" y="1110194"/>
+              <a:ext cx="523377" cy="716075"/>
+            </a:xfrm>
+            <a:prstGeom prst="rect">
+              <a:avLst/>
+            </a:prstGeom>
+          </p:spPr>
+          <p:style>
+            <a:lnRef idx="0">
+              <a:scrgbClr r="0" g="0" b="0"/>
+            </a:lnRef>
+            <a:fillRef idx="0">
+              <a:scrgbClr r="0" g="0" b="0"/>
+            </a:fillRef>
+            <a:effectRef idx="0">
+              <a:scrgbClr r="0" g="0" b="0"/>
+            </a:effectRef>
+            <a:fontRef idx="minor">
+              <a:schemeClr val="dk1">
+                <a:hueOff val="0"/>
+                <a:satOff val="0"/>
+                <a:lumOff val="0"/>
+                <a:alphaOff val="0"/>
+              </a:schemeClr>
+            </a:fontRef>
+          </p:style>
+          <p:txBody>
+            <a:bodyPr spcFirstLastPara="0" vert="horz" wrap="square" lIns="45720" tIns="45720" rIns="45720" bIns="45720" numCol="1" spcCol="1270" anchor="ctr" anchorCtr="0">
+              <a:noAutofit/>
+            </a:bodyPr>
+            <a:lstStyle/>
+            <a:p>
+              <a:pPr marL="0" lvl="0" indent="0" algn="ctr" defTabSz="1600200" latinLnBrk="1">
+                <a:lnSpc>
+                  <a:spcPct val="90000"/>
+                </a:lnSpc>
+                <a:spcBef>
+                  <a:spcPct val="0"/>
+                </a:spcBef>
+                <a:spcAft>
+                  <a:spcPct val="35000"/>
+                </a:spcAft>
+                <a:buNone/>
+              </a:pPr>
+              <a:endParaRPr lang="ko-KR" altLang="en-US" sz="3600" kern="1200"/>
+            </a:p>
+          </p:txBody>
+        </p:sp>
+      </p:grpSp>
+      <p:sp>
+        <p:nvSpPr>
+          <p:cNvPr id="29" name="TextBox 28">
+            <a:extLst>
+              <a:ext uri="{FF2B5EF4-FFF2-40B4-BE49-F238E27FC236}">
+                <a16:creationId xmlns:a16="http://schemas.microsoft.com/office/drawing/2014/main" id="{60FE8161-BF08-4AD5-A3ED-B6C0FE20314E}"/>
+              </a:ext>
+            </a:extLst>
+          </p:cNvPr>
+          <p:cNvSpPr txBox="1"/>
+          <p:nvPr/>
+        </p:nvSpPr>
+        <p:spPr>
+          <a:xfrm>
+            <a:off x="1879053" y="255874"/>
+            <a:ext cx="3801041" cy="646331"/>
+          </a:xfrm>
+          <a:prstGeom prst="rect">
+            <a:avLst/>
+          </a:prstGeom>
+          <a:noFill/>
+        </p:spPr>
+        <p:txBody>
+          <a:bodyPr wrap="none" rtlCol="0">
+            <a:spAutoFit/>
+          </a:bodyPr>
+          <a:lstStyle/>
+          <a:p>
+            <a:r>
+              <a:rPr lang="ko-KR" altLang="en-US" sz="3600" dirty="0">
+                <a:solidFill>
+                  <a:schemeClr val="tx2">
+                    <a:lumMod val="75000"/>
+                  </a:schemeClr>
+                </a:solidFill>
+              </a:rPr>
+              <a:t>분야 별 수행 결과</a:t>
+            </a:r>
+          </a:p>
+        </p:txBody>
+      </p:sp>
+      <p:sp>
+        <p:nvSpPr>
+          <p:cNvPr id="30" name="TextBox 29">
+            <a:extLst>
+              <a:ext uri="{FF2B5EF4-FFF2-40B4-BE49-F238E27FC236}">
+                <a16:creationId xmlns:a16="http://schemas.microsoft.com/office/drawing/2014/main" id="{A9BE1F9F-940B-40C6-ADE2-E71805A60C89}"/>
+              </a:ext>
+            </a:extLst>
+          </p:cNvPr>
+          <p:cNvSpPr txBox="1"/>
+          <p:nvPr/>
+        </p:nvSpPr>
+        <p:spPr>
+          <a:xfrm>
+            <a:off x="1926678" y="908848"/>
+            <a:ext cx="1146468" cy="369332"/>
+          </a:xfrm>
+          <a:prstGeom prst="rect">
+            <a:avLst/>
+          </a:prstGeom>
+          <a:noFill/>
+        </p:spPr>
+        <p:txBody>
+          <a:bodyPr wrap="none" rtlCol="0">
+            <a:spAutoFit/>
+          </a:bodyPr>
+          <a:lstStyle/>
+          <a:p>
+            <a:r>
+              <a:rPr lang="ko-KR" altLang="en-US" dirty="0">
+                <a:solidFill>
+                  <a:schemeClr val="tx2">
+                    <a:lumMod val="75000"/>
+                  </a:schemeClr>
+                </a:solidFill>
+              </a:rPr>
+              <a:t> </a:t>
+            </a:r>
+            <a:r>
+              <a:rPr lang="en-US" altLang="ko-KR" dirty="0">
+                <a:solidFill>
+                  <a:schemeClr val="tx2">
+                    <a:lumMod val="75000"/>
+                  </a:schemeClr>
+                </a:solidFill>
+              </a:rPr>
+              <a:t>&lt; SVM &gt;</a:t>
+            </a:r>
+            <a:endParaRPr lang="ko-KR" altLang="en-US" dirty="0">
+              <a:solidFill>
+                <a:schemeClr val="tx2">
+                  <a:lumMod val="75000"/>
+                </a:schemeClr>
+              </a:solidFill>
+            </a:endParaRPr>
           </a:p>
         </p:txBody>
       </p:sp>
@@ -11092,6 +12003,276 @@
           </a:p>
         </p:txBody>
       </p:sp>
+      <p:sp>
+        <p:nvSpPr>
+          <p:cNvPr id="16" name="Oval 15">
+            <a:extLst>
+              <a:ext uri="{FF2B5EF4-FFF2-40B4-BE49-F238E27FC236}">
+                <a16:creationId xmlns:a16="http://schemas.microsoft.com/office/drawing/2014/main" id="{57F82F6D-0B37-47A8-8A7C-E6065F2166D6}"/>
+              </a:ext>
+            </a:extLst>
+          </p:cNvPr>
+          <p:cNvSpPr/>
+          <p:nvPr/>
+        </p:nvSpPr>
+        <p:spPr>
+          <a:xfrm>
+            <a:off x="5895974" y="1240080"/>
+            <a:ext cx="3162301" cy="1362292"/>
+          </a:xfrm>
+          <a:prstGeom prst="ellipse">
+            <a:avLst/>
+          </a:prstGeom>
+          <a:solidFill>
+            <a:schemeClr val="accent4">
+              <a:lumMod val="20000"/>
+              <a:lumOff val="80000"/>
+            </a:schemeClr>
+          </a:solidFill>
+          <a:ln>
+            <a:noFill/>
+          </a:ln>
+          <a:scene3d>
+            <a:camera prst="orthographicFront"/>
+            <a:lightRig rig="threePt" dir="t"/>
+          </a:scene3d>
+          <a:sp3d>
+            <a:bevelT h="38100"/>
+          </a:sp3d>
+        </p:spPr>
+        <p:style>
+          <a:lnRef idx="2">
+            <a:schemeClr val="accent1"/>
+          </a:lnRef>
+          <a:fillRef idx="1">
+            <a:schemeClr val="lt1"/>
+          </a:fillRef>
+          <a:effectRef idx="0">
+            <a:schemeClr val="accent1"/>
+          </a:effectRef>
+          <a:fontRef idx="minor">
+            <a:schemeClr val="dk1"/>
+          </a:fontRef>
+        </p:style>
+        <p:txBody>
+          <a:bodyPr rtlCol="0" anchor="ctr"/>
+          <a:lstStyle/>
+          <a:p>
+            <a:r>
+              <a:rPr lang="en-US" altLang="ko-KR" dirty="0"/>
+              <a:t>Step 1. </a:t>
+            </a:r>
+            <a:r>
+              <a:rPr lang="ko-KR" altLang="en-US" dirty="0"/>
+              <a:t>데이터 가공</a:t>
+            </a:r>
+          </a:p>
+        </p:txBody>
+      </p:sp>
+      <p:sp>
+        <p:nvSpPr>
+          <p:cNvPr id="17" name="Oval 16">
+            <a:extLst>
+              <a:ext uri="{FF2B5EF4-FFF2-40B4-BE49-F238E27FC236}">
+                <a16:creationId xmlns:a16="http://schemas.microsoft.com/office/drawing/2014/main" id="{F7281699-4495-4B54-BC39-AE190E38B23A}"/>
+              </a:ext>
+            </a:extLst>
+          </p:cNvPr>
+          <p:cNvSpPr/>
+          <p:nvPr/>
+        </p:nvSpPr>
+        <p:spPr>
+          <a:xfrm>
+            <a:off x="8380411" y="2324639"/>
+            <a:ext cx="3162301" cy="1362292"/>
+          </a:xfrm>
+          <a:prstGeom prst="ellipse">
+            <a:avLst/>
+          </a:prstGeom>
+          <a:solidFill>
+            <a:schemeClr val="accent4">
+              <a:lumMod val="40000"/>
+              <a:lumOff val="60000"/>
+            </a:schemeClr>
+          </a:solidFill>
+          <a:ln>
+            <a:noFill/>
+          </a:ln>
+          <a:scene3d>
+            <a:camera prst="orthographicFront"/>
+            <a:lightRig rig="threePt" dir="t"/>
+          </a:scene3d>
+          <a:sp3d>
+            <a:bevelT h="38100"/>
+          </a:sp3d>
+        </p:spPr>
+        <p:style>
+          <a:lnRef idx="1">
+            <a:schemeClr val="accent1"/>
+          </a:lnRef>
+          <a:fillRef idx="2">
+            <a:schemeClr val="accent1"/>
+          </a:fillRef>
+          <a:effectRef idx="1">
+            <a:schemeClr val="accent1"/>
+          </a:effectRef>
+          <a:fontRef idx="minor">
+            <a:schemeClr val="dk1"/>
+          </a:fontRef>
+        </p:style>
+        <p:txBody>
+          <a:bodyPr rtlCol="0" anchor="ctr"/>
+          <a:lstStyle/>
+          <a:p>
+            <a:r>
+              <a:rPr lang="en-US" altLang="ko-KR" dirty="0"/>
+              <a:t>Step 2. </a:t>
+            </a:r>
+            <a:r>
+              <a:rPr lang="ko-KR" altLang="en-US" dirty="0"/>
+              <a:t>모델 생성</a:t>
+            </a:r>
+          </a:p>
+        </p:txBody>
+      </p:sp>
+      <p:sp>
+        <p:nvSpPr>
+          <p:cNvPr id="19" name="Oval 18">
+            <a:extLst>
+              <a:ext uri="{FF2B5EF4-FFF2-40B4-BE49-F238E27FC236}">
+                <a16:creationId xmlns:a16="http://schemas.microsoft.com/office/drawing/2014/main" id="{A5DD06F0-8CED-4EBE-8307-5A6EEE638587}"/>
+              </a:ext>
+            </a:extLst>
+          </p:cNvPr>
+          <p:cNvSpPr/>
+          <p:nvPr/>
+        </p:nvSpPr>
+        <p:spPr>
+          <a:xfrm>
+            <a:off x="5895974" y="3429000"/>
+            <a:ext cx="3162301" cy="1362292"/>
+          </a:xfrm>
+          <a:prstGeom prst="ellipse">
+            <a:avLst/>
+          </a:prstGeom>
+          <a:solidFill>
+            <a:schemeClr val="accent4">
+              <a:lumMod val="60000"/>
+              <a:lumOff val="40000"/>
+            </a:schemeClr>
+          </a:solidFill>
+          <a:ln>
+            <a:noFill/>
+          </a:ln>
+          <a:scene3d>
+            <a:camera prst="orthographicFront"/>
+            <a:lightRig rig="threePt" dir="t"/>
+          </a:scene3d>
+          <a:sp3d>
+            <a:bevelT h="38100"/>
+          </a:sp3d>
+        </p:spPr>
+        <p:style>
+          <a:lnRef idx="1">
+            <a:schemeClr val="accent1"/>
+          </a:lnRef>
+          <a:fillRef idx="2">
+            <a:schemeClr val="accent1"/>
+          </a:fillRef>
+          <a:effectRef idx="1">
+            <a:schemeClr val="accent1"/>
+          </a:effectRef>
+          <a:fontRef idx="minor">
+            <a:schemeClr val="dk1"/>
+          </a:fontRef>
+        </p:style>
+        <p:txBody>
+          <a:bodyPr rtlCol="0" anchor="ctr"/>
+          <a:lstStyle/>
+          <a:p>
+            <a:r>
+              <a:rPr lang="en-US" altLang="ko-KR" dirty="0"/>
+              <a:t>Step 3. </a:t>
+            </a:r>
+            <a:r>
+              <a:rPr lang="ko-KR" altLang="en-US" dirty="0"/>
+              <a:t>모델 예측</a:t>
+            </a:r>
+          </a:p>
+        </p:txBody>
+      </p:sp>
+      <p:pic>
+        <p:nvPicPr>
+          <p:cNvPr id="3" name="Picture 2" descr="A close up of text on a black background&#10;&#10;Description automatically generated">
+            <a:extLst>
+              <a:ext uri="{FF2B5EF4-FFF2-40B4-BE49-F238E27FC236}">
+                <a16:creationId xmlns:a16="http://schemas.microsoft.com/office/drawing/2014/main" id="{5849F71C-1DA9-4282-B135-1525B769FDC4}"/>
+              </a:ext>
+            </a:extLst>
+          </p:cNvPr>
+          <p:cNvPicPr>
+            <a:picLocks noChangeAspect="1"/>
+          </p:cNvPicPr>
+          <p:nvPr/>
+        </p:nvPicPr>
+        <p:blipFill>
+          <a:blip r:embed="rId2">
+            <a:extLst>
+              <a:ext uri="{28A0092B-C50C-407E-A947-70E740481C1C}">
+                <a14:useLocalDpi xmlns:a14="http://schemas.microsoft.com/office/drawing/2010/main" val="0"/>
+              </a:ext>
+            </a:extLst>
+          </a:blip>
+          <a:stretch>
+            <a:fillRect/>
+          </a:stretch>
+        </p:blipFill>
+        <p:spPr>
+          <a:xfrm>
+            <a:off x="994207" y="2943225"/>
+            <a:ext cx="4086225" cy="971550"/>
+          </a:xfrm>
+          <a:prstGeom prst="rect">
+            <a:avLst/>
+          </a:prstGeom>
+        </p:spPr>
+      </p:pic>
+      <p:pic>
+        <p:nvPicPr>
+          <p:cNvPr id="10" name="Picture 9" descr="A screenshot of a cell phone screen with text&#10;&#10;Description automatically generated">
+            <a:extLst>
+              <a:ext uri="{FF2B5EF4-FFF2-40B4-BE49-F238E27FC236}">
+                <a16:creationId xmlns:a16="http://schemas.microsoft.com/office/drawing/2014/main" id="{1919C0D6-6355-4138-A5AB-72B8AC41D98E}"/>
+              </a:ext>
+            </a:extLst>
+          </p:cNvPr>
+          <p:cNvPicPr>
+            <a:picLocks noChangeAspect="1"/>
+          </p:cNvPicPr>
+          <p:nvPr/>
+        </p:nvPicPr>
+        <p:blipFill>
+          <a:blip r:embed="rId3">
+            <a:extLst>
+              <a:ext uri="{28A0092B-C50C-407E-A947-70E740481C1C}">
+                <a14:useLocalDpi xmlns:a14="http://schemas.microsoft.com/office/drawing/2010/main" val="0"/>
+              </a:ext>
+            </a:extLst>
+          </a:blip>
+          <a:stretch>
+            <a:fillRect/>
+          </a:stretch>
+        </p:blipFill>
+        <p:spPr>
+          <a:xfrm>
+            <a:off x="1024195" y="4232922"/>
+            <a:ext cx="4029075" cy="962025"/>
+          </a:xfrm>
+          <a:prstGeom prst="rect">
+            <a:avLst/>
+          </a:prstGeom>
+        </p:spPr>
+      </p:pic>
     </p:spTree>
     <p:extLst>
       <p:ext uri="{BB962C8B-B14F-4D97-AF65-F5344CB8AC3E}">
